--- a/timeline.pptx
+++ b/timeline.pptx
@@ -5,7 +5,7 @@
     <p:sldMasterId id="2147483648" r:id="rId1"/>
   </p:sldMasterIdLst>
   <p:notesMasterIdLst>
-    <p:notesMasterId r:id="rId16"/>
+    <p:notesMasterId r:id="rId18"/>
   </p:notesMasterIdLst>
   <p:sldIdLst>
     <p:sldId id="256" r:id="rId2"/>
@@ -22,6 +22,8 @@
     <p:sldId id="267" r:id="rId13"/>
     <p:sldId id="268" r:id="rId14"/>
     <p:sldId id="269" r:id="rId15"/>
+    <p:sldId id="270" r:id="rId16"/>
+    <p:sldId id="271" r:id="rId17"/>
   </p:sldIdLst>
   <p:sldSz cx="12192000" cy="6858000"/>
   <p:notesSz cx="6858000" cy="9144000"/>
@@ -4977,7 +4979,7 @@
           <a:p>
             <a:fld id="{283BF153-B174-F943-9885-A4FB7FD2E11A}" type="datetimeFigureOut">
               <a:rPr lang="en-SE" smtClean="0"/>
-              <a:t>2024-02-08</a:t>
+              <a:t>2024-02-13</a:t>
             </a:fld>
             <a:endParaRPr lang="en-SE"/>
           </a:p>
@@ -5478,7 +5480,7 @@
           <a:p>
             <a:fld id="{1C1EA764-4BB9-AC40-B767-D559DEAD5728}" type="datetimeFigureOut">
               <a:rPr lang="en-SE" smtClean="0"/>
-              <a:t>2024-02-08</a:t>
+              <a:t>2024-02-13</a:t>
             </a:fld>
             <a:endParaRPr lang="en-SE"/>
           </a:p>
@@ -5678,7 +5680,7 @@
           <a:p>
             <a:fld id="{1C1EA764-4BB9-AC40-B767-D559DEAD5728}" type="datetimeFigureOut">
               <a:rPr lang="en-SE" smtClean="0"/>
-              <a:t>2024-02-08</a:t>
+              <a:t>2024-02-13</a:t>
             </a:fld>
             <a:endParaRPr lang="en-SE"/>
           </a:p>
@@ -5888,7 +5890,7 @@
           <a:p>
             <a:fld id="{1C1EA764-4BB9-AC40-B767-D559DEAD5728}" type="datetimeFigureOut">
               <a:rPr lang="en-SE" smtClean="0"/>
-              <a:t>2024-02-08</a:t>
+              <a:t>2024-02-13</a:t>
             </a:fld>
             <a:endParaRPr lang="en-SE"/>
           </a:p>
@@ -6088,7 +6090,7 @@
           <a:p>
             <a:fld id="{1C1EA764-4BB9-AC40-B767-D559DEAD5728}" type="datetimeFigureOut">
               <a:rPr lang="en-SE" smtClean="0"/>
-              <a:t>2024-02-08</a:t>
+              <a:t>2024-02-13</a:t>
             </a:fld>
             <a:endParaRPr lang="en-SE"/>
           </a:p>
@@ -6364,7 +6366,7 @@
           <a:p>
             <a:fld id="{1C1EA764-4BB9-AC40-B767-D559DEAD5728}" type="datetimeFigureOut">
               <a:rPr lang="en-SE" smtClean="0"/>
-              <a:t>2024-02-08</a:t>
+              <a:t>2024-02-13</a:t>
             </a:fld>
             <a:endParaRPr lang="en-SE"/>
           </a:p>
@@ -6632,7 +6634,7 @@
           <a:p>
             <a:fld id="{1C1EA764-4BB9-AC40-B767-D559DEAD5728}" type="datetimeFigureOut">
               <a:rPr lang="en-SE" smtClean="0"/>
-              <a:t>2024-02-08</a:t>
+              <a:t>2024-02-13</a:t>
             </a:fld>
             <a:endParaRPr lang="en-SE"/>
           </a:p>
@@ -7047,7 +7049,7 @@
           <a:p>
             <a:fld id="{1C1EA764-4BB9-AC40-B767-D559DEAD5728}" type="datetimeFigureOut">
               <a:rPr lang="en-SE" smtClean="0"/>
-              <a:t>2024-02-08</a:t>
+              <a:t>2024-02-13</a:t>
             </a:fld>
             <a:endParaRPr lang="en-SE"/>
           </a:p>
@@ -7189,7 +7191,7 @@
           <a:p>
             <a:fld id="{1C1EA764-4BB9-AC40-B767-D559DEAD5728}" type="datetimeFigureOut">
               <a:rPr lang="en-SE" smtClean="0"/>
-              <a:t>2024-02-08</a:t>
+              <a:t>2024-02-13</a:t>
             </a:fld>
             <a:endParaRPr lang="en-SE"/>
           </a:p>
@@ -7302,7 +7304,7 @@
           <a:p>
             <a:fld id="{1C1EA764-4BB9-AC40-B767-D559DEAD5728}" type="datetimeFigureOut">
               <a:rPr lang="en-SE" smtClean="0"/>
-              <a:t>2024-02-08</a:t>
+              <a:t>2024-02-13</a:t>
             </a:fld>
             <a:endParaRPr lang="en-SE"/>
           </a:p>
@@ -7615,7 +7617,7 @@
           <a:p>
             <a:fld id="{1C1EA764-4BB9-AC40-B767-D559DEAD5728}" type="datetimeFigureOut">
               <a:rPr lang="en-SE" smtClean="0"/>
-              <a:t>2024-02-08</a:t>
+              <a:t>2024-02-13</a:t>
             </a:fld>
             <a:endParaRPr lang="en-SE"/>
           </a:p>
@@ -7904,7 +7906,7 @@
           <a:p>
             <a:fld id="{1C1EA764-4BB9-AC40-B767-D559DEAD5728}" type="datetimeFigureOut">
               <a:rPr lang="en-SE" smtClean="0"/>
-              <a:t>2024-02-08</a:t>
+              <a:t>2024-02-13</a:t>
             </a:fld>
             <a:endParaRPr lang="en-SE"/>
           </a:p>
@@ -8147,7 +8149,7 @@
           <a:p>
             <a:fld id="{1C1EA764-4BB9-AC40-B767-D559DEAD5728}" type="datetimeFigureOut">
               <a:rPr lang="en-SE" smtClean="0"/>
-              <a:t>2024-02-08</a:t>
+              <a:t>2024-02-13</a:t>
             </a:fld>
             <a:endParaRPr lang="en-SE"/>
           </a:p>
@@ -11508,6 +11510,287 @@
 </p:sld>
 </file>
 
+<file path=ppt/slides/slide15.xml><?xml version="1.0" encoding="utf-8"?>
+<p:sld xmlns:a="http://schemas.openxmlformats.org/drawingml/2006/main" xmlns:r="http://schemas.openxmlformats.org/officeDocument/2006/relationships" xmlns:p="http://schemas.openxmlformats.org/presentationml/2006/main">
+  <p:cSld>
+    <p:spTree>
+      <p:nvGrpSpPr>
+        <p:cNvPr id="1" name=""/>
+        <p:cNvGrpSpPr/>
+        <p:nvPr/>
+      </p:nvGrpSpPr>
+      <p:grpSpPr>
+        <a:xfrm>
+          <a:off x="0" y="0"/>
+          <a:ext cx="0" cy="0"/>
+          <a:chOff x="0" y="0"/>
+          <a:chExt cx="0" cy="0"/>
+        </a:xfrm>
+      </p:grpSpPr>
+      <p:sp>
+        <p:nvSpPr>
+          <p:cNvPr id="2" name="Title 1">
+            <a:extLst>
+              <a:ext uri="{FF2B5EF4-FFF2-40B4-BE49-F238E27FC236}">
+                <a16:creationId xmlns:a16="http://schemas.microsoft.com/office/drawing/2014/main" id="{B327EF95-B0B3-9BD0-EE55-5CF8F554572E}"/>
+              </a:ext>
+            </a:extLst>
+          </p:cNvPr>
+          <p:cNvSpPr>
+            <a:spLocks noGrp="1"/>
+          </p:cNvSpPr>
+          <p:nvPr>
+            <p:ph type="title"/>
+          </p:nvPr>
+        </p:nvSpPr>
+        <p:spPr/>
+        <p:txBody>
+          <a:bodyPr/>
+          <a:lstStyle/>
+          <a:p>
+            <a:r>
+              <a:rPr lang="en-SE" b="1" dirty="0"/>
+              <a:t>February</a:t>
+            </a:r>
+          </a:p>
+        </p:txBody>
+      </p:sp>
+      <p:sp>
+        <p:nvSpPr>
+          <p:cNvPr id="4" name="TextBox 3">
+            <a:extLst>
+              <a:ext uri="{FF2B5EF4-FFF2-40B4-BE49-F238E27FC236}">
+                <a16:creationId xmlns:a16="http://schemas.microsoft.com/office/drawing/2014/main" id="{9E73076B-F229-9395-0CBA-468DD7133894}"/>
+              </a:ext>
+            </a:extLst>
+          </p:cNvPr>
+          <p:cNvSpPr txBox="1"/>
+          <p:nvPr/>
+        </p:nvSpPr>
+        <p:spPr>
+          <a:xfrm>
+            <a:off x="838200" y="1321356"/>
+            <a:ext cx="2877711" cy="369332"/>
+          </a:xfrm>
+          <a:prstGeom prst="rect">
+            <a:avLst/>
+          </a:prstGeom>
+          <a:noFill/>
+        </p:spPr>
+        <p:txBody>
+          <a:bodyPr wrap="none" rtlCol="0">
+            <a:spAutoFit/>
+          </a:bodyPr>
+          <a:lstStyle/>
+          <a:p>
+            <a:r>
+              <a:rPr lang="en-SE" dirty="0"/>
+              <a:t>Analyzed samples from Di</a:t>
+            </a:r>
+          </a:p>
+        </p:txBody>
+      </p:sp>
+      <p:pic>
+        <p:nvPicPr>
+          <p:cNvPr id="5" name="Picture 4">
+            <a:extLst>
+              <a:ext uri="{FF2B5EF4-FFF2-40B4-BE49-F238E27FC236}">
+                <a16:creationId xmlns:a16="http://schemas.microsoft.com/office/drawing/2014/main" id="{26D6EC88-1ABB-FF66-7405-A17A37C3CD0D}"/>
+              </a:ext>
+            </a:extLst>
+          </p:cNvPr>
+          <p:cNvPicPr>
+            <a:picLocks noChangeAspect="1"/>
+          </p:cNvPicPr>
+          <p:nvPr/>
+        </p:nvPicPr>
+        <p:blipFill>
+          <a:blip r:embed="rId2"/>
+          <a:stretch>
+            <a:fillRect/>
+          </a:stretch>
+        </p:blipFill>
+        <p:spPr>
+          <a:xfrm>
+            <a:off x="705243" y="1989056"/>
+            <a:ext cx="3315126" cy="4242716"/>
+          </a:xfrm>
+          <a:prstGeom prst="rect">
+            <a:avLst/>
+          </a:prstGeom>
+        </p:spPr>
+      </p:pic>
+      <p:sp>
+        <p:nvSpPr>
+          <p:cNvPr id="6" name="TextBox 5">
+            <a:extLst>
+              <a:ext uri="{FF2B5EF4-FFF2-40B4-BE49-F238E27FC236}">
+                <a16:creationId xmlns:a16="http://schemas.microsoft.com/office/drawing/2014/main" id="{F565611E-D94C-988C-9626-AAB304F95E60}"/>
+              </a:ext>
+            </a:extLst>
+          </p:cNvPr>
+          <p:cNvSpPr txBox="1"/>
+          <p:nvPr/>
+        </p:nvSpPr>
+        <p:spPr>
+          <a:xfrm>
+            <a:off x="2007910" y="5351978"/>
+            <a:ext cx="2655471" cy="369332"/>
+          </a:xfrm>
+          <a:prstGeom prst="rect">
+            <a:avLst/>
+          </a:prstGeom>
+          <a:noFill/>
+        </p:spPr>
+        <p:txBody>
+          <a:bodyPr wrap="none" rtlCol="0">
+            <a:spAutoFit/>
+          </a:bodyPr>
+          <a:lstStyle/>
+          <a:p>
+            <a:r>
+              <a:rPr lang="en-SE" dirty="0"/>
+              <a:t>Very high intrasimiliarity.</a:t>
+            </a:r>
+          </a:p>
+        </p:txBody>
+      </p:sp>
+      <p:pic>
+        <p:nvPicPr>
+          <p:cNvPr id="7" name="Picture 6">
+            <a:extLst>
+              <a:ext uri="{FF2B5EF4-FFF2-40B4-BE49-F238E27FC236}">
+                <a16:creationId xmlns:a16="http://schemas.microsoft.com/office/drawing/2014/main" id="{4722F14B-A415-A594-01C4-9648F8B4665A}"/>
+              </a:ext>
+            </a:extLst>
+          </p:cNvPr>
+          <p:cNvPicPr>
+            <a:picLocks noChangeAspect="1"/>
+          </p:cNvPicPr>
+          <p:nvPr/>
+        </p:nvPicPr>
+        <p:blipFill>
+          <a:blip r:embed="rId3"/>
+          <a:stretch>
+            <a:fillRect/>
+          </a:stretch>
+        </p:blipFill>
+        <p:spPr>
+          <a:xfrm>
+            <a:off x="6251723" y="1690688"/>
+            <a:ext cx="4692460" cy="4699261"/>
+          </a:xfrm>
+          <a:prstGeom prst="rect">
+            <a:avLst/>
+          </a:prstGeom>
+        </p:spPr>
+      </p:pic>
+      <p:sp>
+        <p:nvSpPr>
+          <p:cNvPr id="8" name="TextBox 7">
+            <a:extLst>
+              <a:ext uri="{FF2B5EF4-FFF2-40B4-BE49-F238E27FC236}">
+                <a16:creationId xmlns:a16="http://schemas.microsoft.com/office/drawing/2014/main" id="{09C0CAF4-7B22-5C28-D600-4306DEBF384F}"/>
+              </a:ext>
+            </a:extLst>
+          </p:cNvPr>
+          <p:cNvSpPr txBox="1"/>
+          <p:nvPr/>
+        </p:nvSpPr>
+        <p:spPr>
+          <a:xfrm>
+            <a:off x="7315199" y="1321356"/>
+            <a:ext cx="2890535" cy="369332"/>
+          </a:xfrm>
+          <a:prstGeom prst="rect">
+            <a:avLst/>
+          </a:prstGeom>
+          <a:noFill/>
+        </p:spPr>
+        <p:txBody>
+          <a:bodyPr wrap="none" rtlCol="0">
+            <a:spAutoFit/>
+          </a:bodyPr>
+          <a:lstStyle/>
+          <a:p>
+            <a:r>
+              <a:rPr lang="en-SE" dirty="0"/>
+              <a:t>Comparing with simulation</a:t>
+            </a:r>
+          </a:p>
+        </p:txBody>
+      </p:sp>
+    </p:spTree>
+    <p:extLst>
+      <p:ext uri="{BB962C8B-B14F-4D97-AF65-F5344CB8AC3E}">
+        <p14:creationId xmlns:p14="http://schemas.microsoft.com/office/powerpoint/2010/main" val="4048315505"/>
+      </p:ext>
+    </p:extLst>
+  </p:cSld>
+  <p:clrMapOvr>
+    <a:masterClrMapping/>
+  </p:clrMapOvr>
+</p:sld>
+</file>
+
+<file path=ppt/slides/slide16.xml><?xml version="1.0" encoding="utf-8"?>
+<p:sld xmlns:a="http://schemas.openxmlformats.org/drawingml/2006/main" xmlns:r="http://schemas.openxmlformats.org/officeDocument/2006/relationships" xmlns:p="http://schemas.openxmlformats.org/presentationml/2006/main">
+  <p:cSld>
+    <p:spTree>
+      <p:nvGrpSpPr>
+        <p:cNvPr id="1" name=""/>
+        <p:cNvGrpSpPr/>
+        <p:nvPr/>
+      </p:nvGrpSpPr>
+      <p:grpSpPr>
+        <a:xfrm>
+          <a:off x="0" y="0"/>
+          <a:ext cx="0" cy="0"/>
+          <a:chOff x="0" y="0"/>
+          <a:chExt cx="0" cy="0"/>
+        </a:xfrm>
+      </p:grpSpPr>
+      <p:sp>
+        <p:nvSpPr>
+          <p:cNvPr id="2" name="Title 1">
+            <a:extLst>
+              <a:ext uri="{FF2B5EF4-FFF2-40B4-BE49-F238E27FC236}">
+                <a16:creationId xmlns:a16="http://schemas.microsoft.com/office/drawing/2014/main" id="{B327EF95-B0B3-9BD0-EE55-5CF8F554572E}"/>
+              </a:ext>
+            </a:extLst>
+          </p:cNvPr>
+          <p:cNvSpPr>
+            <a:spLocks noGrp="1"/>
+          </p:cNvSpPr>
+          <p:nvPr>
+            <p:ph type="title"/>
+          </p:nvPr>
+        </p:nvSpPr>
+        <p:spPr/>
+        <p:txBody>
+          <a:bodyPr/>
+          <a:lstStyle/>
+          <a:p>
+            <a:r>
+              <a:rPr lang="en-SE" b="1" dirty="0"/>
+              <a:t>February</a:t>
+            </a:r>
+          </a:p>
+        </p:txBody>
+      </p:sp>
+    </p:spTree>
+    <p:extLst>
+      <p:ext uri="{BB962C8B-B14F-4D97-AF65-F5344CB8AC3E}">
+        <p14:creationId xmlns:p14="http://schemas.microsoft.com/office/powerpoint/2010/main" val="3251866866"/>
+      </p:ext>
+    </p:extLst>
+  </p:cSld>
+  <p:clrMapOvr>
+    <a:masterClrMapping/>
+  </p:clrMapOvr>
+</p:sld>
+</file>
+
 <file path=ppt/slides/slide2.xml><?xml version="1.0" encoding="utf-8"?>
 <p:sld xmlns:a="http://schemas.openxmlformats.org/drawingml/2006/main" xmlns:r="http://schemas.openxmlformats.org/officeDocument/2006/relationships" xmlns:p="http://schemas.openxmlformats.org/presentationml/2006/main">
   <p:cSld>
